--- a/Documents/07-Lighting2(Blinn-Phong).pptx
+++ b/Documents/07-Lighting2(Blinn-Phong).pptx
@@ -1274,7 +1274,7 @@
           <a:p>
             <a:fld id="{20FDF2D6-8C5E-4A0C-AD78-AB907B009066}" type="datetimeFigureOut">
               <a:rPr lang="ko-KR" altLang="en-US" smtClean="0"/>
-              <a:t>2025-09-21</a:t>
+              <a:t>2025-09-22</a:t>
             </a:fld>
             <a:endParaRPr lang="ko-KR" altLang="en-US"/>
           </a:p>
@@ -1472,7 +1472,7 @@
           <a:p>
             <a:fld id="{20FDF2D6-8C5E-4A0C-AD78-AB907B009066}" type="datetimeFigureOut">
               <a:rPr lang="ko-KR" altLang="en-US" smtClean="0"/>
-              <a:t>2025-09-21</a:t>
+              <a:t>2025-09-22</a:t>
             </a:fld>
             <a:endParaRPr lang="ko-KR" altLang="en-US"/>
           </a:p>
@@ -1680,7 +1680,7 @@
           <a:p>
             <a:fld id="{20FDF2D6-8C5E-4A0C-AD78-AB907B009066}" type="datetimeFigureOut">
               <a:rPr lang="ko-KR" altLang="en-US" smtClean="0"/>
-              <a:t>2025-09-21</a:t>
+              <a:t>2025-09-22</a:t>
             </a:fld>
             <a:endParaRPr lang="ko-KR" altLang="en-US"/>
           </a:p>
@@ -1878,7 +1878,7 @@
           <a:p>
             <a:fld id="{20FDF2D6-8C5E-4A0C-AD78-AB907B009066}" type="datetimeFigureOut">
               <a:rPr lang="ko-KR" altLang="en-US" smtClean="0"/>
-              <a:t>2025-09-21</a:t>
+              <a:t>2025-09-22</a:t>
             </a:fld>
             <a:endParaRPr lang="ko-KR" altLang="en-US"/>
           </a:p>
@@ -2153,7 +2153,7 @@
           <a:p>
             <a:fld id="{20FDF2D6-8C5E-4A0C-AD78-AB907B009066}" type="datetimeFigureOut">
               <a:rPr lang="ko-KR" altLang="en-US" smtClean="0"/>
-              <a:t>2025-09-21</a:t>
+              <a:t>2025-09-22</a:t>
             </a:fld>
             <a:endParaRPr lang="ko-KR" altLang="en-US"/>
           </a:p>
@@ -2418,7 +2418,7 @@
           <a:p>
             <a:fld id="{20FDF2D6-8C5E-4A0C-AD78-AB907B009066}" type="datetimeFigureOut">
               <a:rPr lang="ko-KR" altLang="en-US" smtClean="0"/>
-              <a:t>2025-09-21</a:t>
+              <a:t>2025-09-22</a:t>
             </a:fld>
             <a:endParaRPr lang="ko-KR" altLang="en-US"/>
           </a:p>
@@ -2830,7 +2830,7 @@
           <a:p>
             <a:fld id="{20FDF2D6-8C5E-4A0C-AD78-AB907B009066}" type="datetimeFigureOut">
               <a:rPr lang="ko-KR" altLang="en-US" smtClean="0"/>
-              <a:t>2025-09-21</a:t>
+              <a:t>2025-09-22</a:t>
             </a:fld>
             <a:endParaRPr lang="ko-KR" altLang="en-US"/>
           </a:p>
@@ -2971,7 +2971,7 @@
           <a:p>
             <a:fld id="{20FDF2D6-8C5E-4A0C-AD78-AB907B009066}" type="datetimeFigureOut">
               <a:rPr lang="ko-KR" altLang="en-US" smtClean="0"/>
-              <a:t>2025-09-21</a:t>
+              <a:t>2025-09-22</a:t>
             </a:fld>
             <a:endParaRPr lang="ko-KR" altLang="en-US"/>
           </a:p>
@@ -3084,7 +3084,7 @@
           <a:p>
             <a:fld id="{20FDF2D6-8C5E-4A0C-AD78-AB907B009066}" type="datetimeFigureOut">
               <a:rPr lang="ko-KR" altLang="en-US" smtClean="0"/>
-              <a:t>2025-09-21</a:t>
+              <a:t>2025-09-22</a:t>
             </a:fld>
             <a:endParaRPr lang="ko-KR" altLang="en-US"/>
           </a:p>
@@ -3395,7 +3395,7 @@
           <a:p>
             <a:fld id="{20FDF2D6-8C5E-4A0C-AD78-AB907B009066}" type="datetimeFigureOut">
               <a:rPr lang="ko-KR" altLang="en-US" smtClean="0"/>
-              <a:t>2025-09-21</a:t>
+              <a:t>2025-09-22</a:t>
             </a:fld>
             <a:endParaRPr lang="ko-KR" altLang="en-US"/>
           </a:p>
@@ -3683,7 +3683,7 @@
           <a:p>
             <a:fld id="{20FDF2D6-8C5E-4A0C-AD78-AB907B009066}" type="datetimeFigureOut">
               <a:rPr lang="ko-KR" altLang="en-US" smtClean="0"/>
-              <a:t>2025-09-21</a:t>
+              <a:t>2025-09-22</a:t>
             </a:fld>
             <a:endParaRPr lang="ko-KR" altLang="en-US"/>
           </a:p>
@@ -3924,7 +3924,7 @@
           <a:p>
             <a:fld id="{20FDF2D6-8C5E-4A0C-AD78-AB907B009066}" type="datetimeFigureOut">
               <a:rPr lang="ko-KR" altLang="en-US" smtClean="0"/>
-              <a:t>2025-09-21</a:t>
+              <a:t>2025-09-22</a:t>
             </a:fld>
             <a:endParaRPr lang="ko-KR" altLang="en-US"/>
           </a:p>
@@ -4692,8 +4692,8 @@
           </a:p>
         </p:txBody>
       </p:sp>
-      <mc:AlternateContent xmlns:mc="http://schemas.openxmlformats.org/markup-compatibility/2006">
-        <mc:Choice xmlns:a14="http://schemas.microsoft.com/office/drawing/2010/main" Requires="a14">
+      <mc:AlternateContent xmlns:mc="http://schemas.openxmlformats.org/markup-compatibility/2006" xmlns:a14="http://schemas.microsoft.com/office/drawing/2010/main">
+        <mc:Choice Requires="a14">
           <p:sp>
             <p:nvSpPr>
               <p:cNvPr id="4" name="TextBox 3">
@@ -5576,7 +5576,7 @@
             </p:txBody>
           </p:sp>
         </mc:Choice>
-        <mc:Fallback>
+        <mc:Fallback xmlns="">
           <p:sp>
             <p:nvSpPr>
               <p:cNvPr id="4" name="TextBox 3">
@@ -8724,8 +8724,8 @@
           </mc:Fallback>
         </mc:AlternateContent>
       </p:grpSp>
-      <mc:AlternateContent xmlns:mc="http://schemas.openxmlformats.org/markup-compatibility/2006">
-        <mc:Choice xmlns:a14="http://schemas.microsoft.com/office/drawing/2010/main" Requires="a14">
+      <mc:AlternateContent xmlns:mc="http://schemas.openxmlformats.org/markup-compatibility/2006" xmlns:a14="http://schemas.microsoft.com/office/drawing/2010/main">
+        <mc:Choice Requires="a14">
           <p:sp>
             <p:nvSpPr>
               <p:cNvPr id="20" name="TextBox 19">
@@ -8933,7 +8933,7 @@
             </p:txBody>
           </p:sp>
         </mc:Choice>
-        <mc:Fallback>
+        <mc:Fallback xmlns="">
           <p:sp>
             <p:nvSpPr>
               <p:cNvPr id="20" name="TextBox 19">
@@ -9045,8 +9045,8 @@
           </a:p>
         </p:txBody>
       </p:sp>
-      <mc:AlternateContent xmlns:mc="http://schemas.openxmlformats.org/markup-compatibility/2006">
-        <mc:Choice xmlns:a14="http://schemas.microsoft.com/office/drawing/2010/main" Requires="a14">
+      <mc:AlternateContent xmlns:mc="http://schemas.openxmlformats.org/markup-compatibility/2006" xmlns:a14="http://schemas.microsoft.com/office/drawing/2010/main">
+        <mc:Choice Requires="a14">
           <p:sp>
             <p:nvSpPr>
               <p:cNvPr id="3" name="TextBox 2">
@@ -9086,13 +9086,7 @@
                         <a:rPr lang="en-US" altLang="ko-KR" b="0" i="1" smtClean="0">
                           <a:latin typeface="Cambria Math" panose="02040503050406030204" pitchFamily="18" charset="0"/>
                         </a:rPr>
-                        <m:t>𝑑</m:t>
-                      </m:r>
-                      <m:r>
-                        <a:rPr lang="en-US" altLang="ko-KR" b="0" i="1" smtClean="0">
-                          <a:latin typeface="Cambria Math" panose="02040503050406030204" pitchFamily="18" charset="0"/>
-                        </a:rPr>
-                        <m:t>𝑖𝑓𝑓𝑢𝑠𝑒</m:t>
+                        <m:t>𝑑𝑖𝑓𝑓𝑢𝑠𝑒</m:t>
                       </m:r>
                       <m:r>
                         <a:rPr lang="en-US" altLang="ko-KR" i="1" smtClean="0">
@@ -9187,7 +9181,7 @@
             </p:txBody>
           </p:sp>
         </mc:Choice>
-        <mc:Fallback>
+        <mc:Fallback xmlns="">
           <p:sp>
             <p:nvSpPr>
               <p:cNvPr id="3" name="TextBox 2">
@@ -9347,7 +9341,7 @@
             </a:r>
             <a:r>
               <a:rPr lang="ko-KR" altLang="en-US" dirty="0"/>
-              <a:t>모든 방향으로 균일하게 퍼지는 반사광</a:t>
+              <a:t>모든 방향으로 균일하게 퍼지는 빛</a:t>
             </a:r>
             <a:r>
               <a:rPr lang="en-US" altLang="ko-KR" dirty="0"/>
@@ -9475,8 +9469,8 @@
           </a:p>
         </p:txBody>
       </p:sp>
-      <mc:AlternateContent xmlns:mc="http://schemas.openxmlformats.org/markup-compatibility/2006">
-        <mc:Choice xmlns:a14="http://schemas.microsoft.com/office/drawing/2010/main" Requires="a14">
+      <mc:AlternateContent xmlns:mc="http://schemas.openxmlformats.org/markup-compatibility/2006" xmlns:a14="http://schemas.microsoft.com/office/drawing/2010/main">
+        <mc:Choice Requires="a14">
           <p:sp>
             <p:nvSpPr>
               <p:cNvPr id="11" name="TextBox 10">
@@ -9609,7 +9603,7 @@
             </p:txBody>
           </p:sp>
         </mc:Choice>
-        <mc:Fallback>
+        <mc:Fallback xmlns="">
           <p:sp>
             <p:nvSpPr>
               <p:cNvPr id="11" name="TextBox 10">
@@ -10255,8 +10249,8 @@
             </a:p>
           </p:txBody>
         </p:sp>
-        <mc:AlternateContent xmlns:mc="http://schemas.openxmlformats.org/markup-compatibility/2006">
-          <mc:Choice xmlns:p14="http://schemas.microsoft.com/office/powerpoint/2010/main" xmlns:aink="http://schemas.microsoft.com/office/drawing/2016/ink" Requires="p14 aink">
+        <mc:AlternateContent xmlns:mc="http://schemas.openxmlformats.org/markup-compatibility/2006" xmlns:p14="http://schemas.microsoft.com/office/powerpoint/2010/main" xmlns:aink="http://schemas.microsoft.com/office/drawing/2016/ink">
+          <mc:Choice Requires="p14 aink">
             <p:contentPart p14:bwMode="auto" r:id="rId5">
               <p14:nvContentPartPr>
                 <p14:cNvPr id="52" name="잉크 51">
@@ -10275,7 +10269,7 @@
               </p14:xfrm>
             </p:contentPart>
           </mc:Choice>
-          <mc:Fallback>
+          <mc:Fallback xmlns="">
             <p:pic>
               <p:nvPicPr>
                 <p:cNvPr id="52" name="잉크 51">
@@ -11053,8 +11047,8 @@
           </p:txBody>
         </p:sp>
       </p:grpSp>
-      <mc:AlternateContent xmlns:mc="http://schemas.openxmlformats.org/markup-compatibility/2006">
-        <mc:Choice xmlns:a14="http://schemas.microsoft.com/office/drawing/2010/main" Requires="a14">
+      <mc:AlternateContent xmlns:mc="http://schemas.openxmlformats.org/markup-compatibility/2006" xmlns:a14="http://schemas.microsoft.com/office/drawing/2010/main">
+        <mc:Choice Requires="a14">
           <p:sp>
             <p:nvSpPr>
               <p:cNvPr id="16" name="TextBox 15">
@@ -11083,6 +11077,7 @@
               </a:bodyPr>
               <a:lstStyle/>
               <a:p>
+                <a:pPr/>
                 <a14:m>
                   <m:oMathPara xmlns:m="http://schemas.openxmlformats.org/officeDocument/2006/math">
                     <m:oMathParaPr>
@@ -11228,7 +11223,7 @@
             </p:txBody>
           </p:sp>
         </mc:Choice>
-        <mc:Fallback>
+        <mc:Fallback xmlns="">
           <p:sp>
             <p:nvSpPr>
               <p:cNvPr id="16" name="TextBox 15">
@@ -11273,8 +11268,8 @@
           </p:sp>
         </mc:Fallback>
       </mc:AlternateContent>
-      <mc:AlternateContent xmlns:mc="http://schemas.openxmlformats.org/markup-compatibility/2006">
-        <mc:Choice xmlns:a14="http://schemas.microsoft.com/office/drawing/2010/main" Requires="a14">
+      <mc:AlternateContent xmlns:mc="http://schemas.openxmlformats.org/markup-compatibility/2006" xmlns:a14="http://schemas.microsoft.com/office/drawing/2010/main">
+        <mc:Choice Requires="a14">
           <p:sp>
             <p:nvSpPr>
               <p:cNvPr id="9" name="TextBox 8">
@@ -11426,7 +11421,7 @@
             </p:txBody>
           </p:sp>
         </mc:Choice>
-        <mc:Fallback>
+        <mc:Fallback xmlns="">
           <p:sp>
             <p:nvSpPr>
               <p:cNvPr id="9" name="TextBox 8">
@@ -11605,8 +11600,8 @@
           </a:p>
         </p:txBody>
       </p:sp>
-      <mc:AlternateContent xmlns:mc="http://schemas.openxmlformats.org/markup-compatibility/2006">
-        <mc:Choice xmlns:a14="http://schemas.microsoft.com/office/drawing/2010/main" Requires="a14">
+      <mc:AlternateContent xmlns:mc="http://schemas.openxmlformats.org/markup-compatibility/2006" xmlns:a14="http://schemas.microsoft.com/office/drawing/2010/main">
+        <mc:Choice Requires="a14">
           <p:sp>
             <p:nvSpPr>
               <p:cNvPr id="4" name="TextBox 3">
@@ -12314,7 +12309,7 @@
                       <a:rPr lang="en-US" altLang="ko-KR" sz="1600" b="0" i="1" smtClean="0">
                         <a:latin typeface="Cambria Math" panose="02040503050406030204" pitchFamily="18" charset="0"/>
                       </a:rPr>
-                      <m:t> = (-</m:t>
+                      <m:t> = (−</m:t>
                     </m:r>
                     <m:r>
                       <a:rPr lang="en-US" altLang="ko-KR" sz="1600" b="0" i="1" smtClean="0">
@@ -12370,7 +12365,7 @@
                       <a:rPr lang="en-US" altLang="ko-KR" sz="1600" b="1" i="1" smtClean="0">
                         <a:latin typeface="Cambria Math" panose="02040503050406030204" pitchFamily="18" charset="0"/>
                       </a:rPr>
-                      <m:t>=- </m:t>
+                      <m:t>=− </m:t>
                     </m:r>
                     <m:r>
                       <a:rPr lang="en-US" altLang="ko-KR" sz="1600" b="1" i="1" smtClean="0">
@@ -12400,7 +12395,7 @@
                       <a:rPr lang="en-US" altLang="ko-KR" sz="1600" b="1" i="1" smtClean="0">
                         <a:latin typeface="Cambria Math" panose="02040503050406030204" pitchFamily="18" charset="0"/>
                       </a:rPr>
-                      <m:t>-</m:t>
+                      <m:t>−</m:t>
                     </m:r>
                     <m:r>
                       <a:rPr lang="en-US" altLang="ko-KR" sz="1600" b="1" i="1" smtClean="0">
@@ -12445,7 +12440,7 @@
             </p:txBody>
           </p:sp>
         </mc:Choice>
-        <mc:Fallback>
+        <mc:Fallback xmlns="">
           <p:sp>
             <p:nvSpPr>
               <p:cNvPr id="4" name="TextBox 3">
@@ -12797,8 +12792,8 @@
           </a:fontRef>
         </p:style>
       </p:cxnSp>
-      <mc:AlternateContent xmlns:mc="http://schemas.openxmlformats.org/markup-compatibility/2006">
-        <mc:Choice xmlns:p14="http://schemas.microsoft.com/office/powerpoint/2010/main" xmlns:aink="http://schemas.microsoft.com/office/drawing/2016/ink" Requires="p14 aink">
+      <mc:AlternateContent xmlns:mc="http://schemas.openxmlformats.org/markup-compatibility/2006" xmlns:p14="http://schemas.microsoft.com/office/powerpoint/2010/main" xmlns:aink="http://schemas.microsoft.com/office/drawing/2016/ink">
+        <mc:Choice Requires="p14 aink">
           <p:contentPart p14:bwMode="auto" r:id="rId3">
             <p14:nvContentPartPr>
               <p14:cNvPr id="61" name="잉크 60">
@@ -12817,7 +12812,7 @@
             </p14:xfrm>
           </p:contentPart>
         </mc:Choice>
-        <mc:Fallback>
+        <mc:Fallback xmlns="">
           <p:pic>
             <p:nvPicPr>
               <p:cNvPr id="61" name="잉크 60">
@@ -12848,8 +12843,8 @@
           </p:pic>
         </mc:Fallback>
       </mc:AlternateContent>
-      <mc:AlternateContent xmlns:mc="http://schemas.openxmlformats.org/markup-compatibility/2006">
-        <mc:Choice xmlns:p14="http://schemas.microsoft.com/office/powerpoint/2010/main" xmlns:aink="http://schemas.microsoft.com/office/drawing/2016/ink" Requires="p14 aink">
+      <mc:AlternateContent xmlns:mc="http://schemas.openxmlformats.org/markup-compatibility/2006" xmlns:p14="http://schemas.microsoft.com/office/powerpoint/2010/main" xmlns:aink="http://schemas.microsoft.com/office/drawing/2016/ink">
+        <mc:Choice Requires="p14 aink">
           <p:contentPart p14:bwMode="auto" r:id="rId5">
             <p14:nvContentPartPr>
               <p14:cNvPr id="63" name="잉크 62">
@@ -12868,7 +12863,7 @@
             </p14:xfrm>
           </p:contentPart>
         </mc:Choice>
-        <mc:Fallback>
+        <mc:Fallback xmlns="">
           <p:pic>
             <p:nvPicPr>
               <p:cNvPr id="63" name="잉크 62">
@@ -12899,8 +12894,8 @@
           </p:pic>
         </mc:Fallback>
       </mc:AlternateContent>
-      <mc:AlternateContent xmlns:mc="http://schemas.openxmlformats.org/markup-compatibility/2006">
-        <mc:Choice xmlns:p14="http://schemas.microsoft.com/office/powerpoint/2010/main" xmlns:aink="http://schemas.microsoft.com/office/drawing/2016/ink" Requires="p14 aink">
+      <mc:AlternateContent xmlns:mc="http://schemas.openxmlformats.org/markup-compatibility/2006" xmlns:p14="http://schemas.microsoft.com/office/powerpoint/2010/main" xmlns:aink="http://schemas.microsoft.com/office/drawing/2016/ink">
+        <mc:Choice Requires="p14 aink">
           <p:contentPart p14:bwMode="auto" r:id="rId7">
             <p14:nvContentPartPr>
               <p14:cNvPr id="64" name="잉크 63">
@@ -12919,7 +12914,7 @@
             </p14:xfrm>
           </p:contentPart>
         </mc:Choice>
-        <mc:Fallback>
+        <mc:Fallback xmlns="">
           <p:pic>
             <p:nvPicPr>
               <p:cNvPr id="64" name="잉크 63">
@@ -12950,8 +12945,8 @@
           </p:pic>
         </mc:Fallback>
       </mc:AlternateContent>
-      <mc:AlternateContent xmlns:mc="http://schemas.openxmlformats.org/markup-compatibility/2006">
-        <mc:Choice xmlns:p14="http://schemas.microsoft.com/office/powerpoint/2010/main" xmlns:aink="http://schemas.microsoft.com/office/drawing/2016/ink" Requires="p14 aink">
+      <mc:AlternateContent xmlns:mc="http://schemas.openxmlformats.org/markup-compatibility/2006" xmlns:p14="http://schemas.microsoft.com/office/powerpoint/2010/main" xmlns:aink="http://schemas.microsoft.com/office/drawing/2016/ink">
+        <mc:Choice Requires="p14 aink">
           <p:contentPart p14:bwMode="auto" r:id="rId9">
             <p14:nvContentPartPr>
               <p14:cNvPr id="65" name="잉크 64">
@@ -12970,7 +12965,7 @@
             </p14:xfrm>
           </p:contentPart>
         </mc:Choice>
-        <mc:Fallback>
+        <mc:Fallback xmlns="">
           <p:pic>
             <p:nvPicPr>
               <p:cNvPr id="65" name="잉크 64">
@@ -13073,7 +13068,6 @@
           </a:bodyPr>
           <a:lstStyle/>
           <a:p>
-            <a:pPr/>
             <a:r>
               <a:rPr lang="en-US" altLang="ko-KR" sz="1000" dirty="0">
                 <a:latin typeface="Cambria Math" panose="02040503050406030204" pitchFamily="18" charset="0"/>
@@ -13100,8 +13094,8 @@
           </a:p>
         </p:txBody>
       </p:sp>
-      <mc:AlternateContent xmlns:mc="http://schemas.openxmlformats.org/markup-compatibility/2006">
-        <mc:Choice xmlns:a14="http://schemas.microsoft.com/office/drawing/2010/main" Requires="a14">
+      <mc:AlternateContent xmlns:mc="http://schemas.openxmlformats.org/markup-compatibility/2006" xmlns:a14="http://schemas.microsoft.com/office/drawing/2010/main">
+        <mc:Choice Requires="a14">
           <p:sp>
             <p:nvSpPr>
               <p:cNvPr id="73" name="TextBox 72">
@@ -13130,7 +13124,6 @@
               </a:bodyPr>
               <a:lstStyle/>
               <a:p>
-                <a:pPr/>
                 <a14:m>
                   <m:oMath xmlns:m="http://schemas.openxmlformats.org/officeDocument/2006/math">
                     <m:r>
@@ -13153,7 +13146,7 @@
             </p:txBody>
           </p:sp>
         </mc:Choice>
-        <mc:Fallback>
+        <mc:Fallback xmlns="">
           <p:sp>
             <p:nvSpPr>
               <p:cNvPr id="73" name="TextBox 72">
@@ -13198,8 +13191,8 @@
           </p:sp>
         </mc:Fallback>
       </mc:AlternateContent>
-      <mc:AlternateContent xmlns:mc="http://schemas.openxmlformats.org/markup-compatibility/2006">
-        <mc:Choice xmlns:p14="http://schemas.microsoft.com/office/powerpoint/2010/main" xmlns:aink="http://schemas.microsoft.com/office/drawing/2016/ink" Requires="p14 aink">
+      <mc:AlternateContent xmlns:mc="http://schemas.openxmlformats.org/markup-compatibility/2006" xmlns:p14="http://schemas.microsoft.com/office/powerpoint/2010/main" xmlns:aink="http://schemas.microsoft.com/office/drawing/2016/ink">
+        <mc:Choice Requires="p14 aink">
           <p:contentPart p14:bwMode="auto" r:id="rId12">
             <p14:nvContentPartPr>
               <p14:cNvPr id="82" name="잉크 81">
@@ -13218,7 +13211,7 @@
             </p14:xfrm>
           </p:contentPart>
         </mc:Choice>
-        <mc:Fallback>
+        <mc:Fallback xmlns="">
           <p:pic>
             <p:nvPicPr>
               <p:cNvPr id="82" name="잉크 81">
@@ -13284,8 +13277,8 @@
           </a:p>
         </p:txBody>
       </p:sp>
-      <mc:AlternateContent xmlns:mc="http://schemas.openxmlformats.org/markup-compatibility/2006">
-        <mc:Choice xmlns:a14="http://schemas.microsoft.com/office/drawing/2010/main" Requires="a14">
+      <mc:AlternateContent xmlns:mc="http://schemas.openxmlformats.org/markup-compatibility/2006" xmlns:a14="http://schemas.microsoft.com/office/drawing/2010/main">
+        <mc:Choice Requires="a14">
           <p:sp>
             <p:nvSpPr>
               <p:cNvPr id="86" name="TextBox 85">
@@ -13344,7 +13337,7 @@
             </p:txBody>
           </p:sp>
         </mc:Choice>
-        <mc:Fallback>
+        <mc:Fallback xmlns="">
           <p:sp>
             <p:nvSpPr>
               <p:cNvPr id="86" name="TextBox 85">
@@ -13389,8 +13382,8 @@
           </p:sp>
         </mc:Fallback>
       </mc:AlternateContent>
-      <mc:AlternateContent xmlns:mc="http://schemas.openxmlformats.org/markup-compatibility/2006">
-        <mc:Choice xmlns:a14="http://schemas.microsoft.com/office/drawing/2010/main" Requires="a14">
+      <mc:AlternateContent xmlns:mc="http://schemas.openxmlformats.org/markup-compatibility/2006" xmlns:a14="http://schemas.microsoft.com/office/drawing/2010/main">
+        <mc:Choice Requires="a14">
           <p:sp>
             <p:nvSpPr>
               <p:cNvPr id="88" name="TextBox 87">
@@ -13443,7 +13436,7 @@
             </p:txBody>
           </p:sp>
         </mc:Choice>
-        <mc:Fallback>
+        <mc:Fallback xmlns="">
           <p:sp>
             <p:nvSpPr>
               <p:cNvPr id="88" name="TextBox 87">
@@ -13488,8 +13481,8 @@
           </p:sp>
         </mc:Fallback>
       </mc:AlternateContent>
-      <mc:AlternateContent xmlns:mc="http://schemas.openxmlformats.org/markup-compatibility/2006">
-        <mc:Choice xmlns:a14="http://schemas.microsoft.com/office/drawing/2010/main" Requires="a14">
+      <mc:AlternateContent xmlns:mc="http://schemas.openxmlformats.org/markup-compatibility/2006" xmlns:a14="http://schemas.microsoft.com/office/drawing/2010/main">
+        <mc:Choice Requires="a14">
           <p:sp>
             <p:nvSpPr>
               <p:cNvPr id="96" name="TextBox 95">
@@ -13529,7 +13522,7 @@
                         <a:rPr lang="en-US" altLang="ko-KR" sz="1000" b="0" i="1" smtClean="0">
                           <a:latin typeface="Cambria Math" panose="02040503050406030204" pitchFamily="18" charset="0"/>
                         </a:rPr>
-                        <m:t>-</m:t>
+                        <m:t>−</m:t>
                       </m:r>
                       <m:r>
                         <m:rPr>
@@ -13548,7 +13541,7 @@
             </p:txBody>
           </p:sp>
         </mc:Choice>
-        <mc:Fallback>
+        <mc:Fallback xmlns="">
           <p:sp>
             <p:nvSpPr>
               <p:cNvPr id="96" name="TextBox 95">
@@ -14116,8 +14109,8 @@
             </a:p>
           </p:txBody>
         </p:sp>
-        <mc:AlternateContent xmlns:mc="http://schemas.openxmlformats.org/markup-compatibility/2006">
-          <mc:Choice xmlns:p14="http://schemas.microsoft.com/office/powerpoint/2010/main" xmlns:aink="http://schemas.microsoft.com/office/drawing/2016/ink" Requires="p14 aink">
+        <mc:AlternateContent xmlns:mc="http://schemas.openxmlformats.org/markup-compatibility/2006" xmlns:p14="http://schemas.microsoft.com/office/powerpoint/2010/main" xmlns:aink="http://schemas.microsoft.com/office/drawing/2016/ink">
+          <mc:Choice Requires="p14 aink">
             <p:contentPart p14:bwMode="auto" r:id="rId2">
               <p14:nvContentPartPr>
                 <p14:cNvPr id="9" name="잉크 8">
@@ -14136,7 +14129,7 @@
               </p14:xfrm>
             </p:contentPart>
           </mc:Choice>
-          <mc:Fallback>
+          <mc:Fallback xmlns="">
             <p:pic>
               <p:nvPicPr>
                 <p:cNvPr id="9" name="잉크 8">
@@ -14931,8 +14924,8 @@
           </p:txBody>
         </p:sp>
       </p:grpSp>
-      <mc:AlternateContent xmlns:mc="http://schemas.openxmlformats.org/markup-compatibility/2006">
-        <mc:Choice xmlns:a14="http://schemas.microsoft.com/office/drawing/2010/main" Requires="a14">
+      <mc:AlternateContent xmlns:mc="http://schemas.openxmlformats.org/markup-compatibility/2006" xmlns:a14="http://schemas.microsoft.com/office/drawing/2010/main">
+        <mc:Choice Requires="a14">
           <p:sp>
             <p:nvSpPr>
               <p:cNvPr id="14" name="TextBox 13">
@@ -15027,13 +15020,7 @@
                       <a:rPr lang="en-US" altLang="ko-KR">
                         <a:latin typeface="Cambria Math" panose="02040503050406030204" pitchFamily="18" charset="0"/>
                       </a:rPr>
-                      <m:t>=</m:t>
-                    </m:r>
-                    <m:r>
-                      <a:rPr lang="en-US" altLang="ko-KR">
-                        <a:latin typeface="Cambria Math" panose="02040503050406030204" pitchFamily="18" charset="0"/>
-                      </a:rPr>
-                      <m:t>(</m:t>
+                      <m:t>=(</m:t>
                     </m:r>
                     <m:r>
                       <a:rPr lang="ko-KR" altLang="en-US" i="1">
@@ -15237,6 +15224,7 @@
                 <a:endParaRPr lang="en-US" altLang="ko-KR" dirty="0"/>
               </a:p>
               <a:p>
+                <a:pPr/>
                 <a14:m>
                   <m:oMathPara xmlns:m="http://schemas.openxmlformats.org/officeDocument/2006/math">
                     <m:oMathParaPr>
@@ -15486,7 +15474,7 @@
             </p:txBody>
           </p:sp>
         </mc:Choice>
-        <mc:Fallback>
+        <mc:Fallback xmlns="">
           <p:sp>
             <p:nvSpPr>
               <p:cNvPr id="14" name="TextBox 13">
@@ -15820,8 +15808,8 @@
             </a:p>
           </p:txBody>
         </p:sp>
-        <mc:AlternateContent xmlns:mc="http://schemas.openxmlformats.org/markup-compatibility/2006">
-          <mc:Choice xmlns:p14="http://schemas.microsoft.com/office/powerpoint/2010/main" xmlns:aink="http://schemas.microsoft.com/office/drawing/2016/ink" Requires="p14 aink">
+        <mc:AlternateContent xmlns:mc="http://schemas.openxmlformats.org/markup-compatibility/2006" xmlns:p14="http://schemas.microsoft.com/office/powerpoint/2010/main" xmlns:aink="http://schemas.microsoft.com/office/drawing/2016/ink">
+          <mc:Choice Requires="p14 aink">
             <p:contentPart p14:bwMode="auto" r:id="rId17">
               <p14:nvContentPartPr>
                 <p14:cNvPr id="38" name="잉크 37">
@@ -15840,7 +15828,7 @@
               </p14:xfrm>
             </p:contentPart>
           </mc:Choice>
-          <mc:Fallback>
+          <mc:Fallback xmlns="">
             <p:pic>
               <p:nvPicPr>
                 <p:cNvPr id="38" name="잉크 37">
